--- a/DOC/3, SQL/SQL- by Sherlock/1. [MySQL] MySQL Architecture.pptx
+++ b/DOC/3, SQL/SQL- by Sherlock/1. [MySQL] MySQL Architecture.pptx
@@ -242,7 +242,7 @@
           <a:p>
             <a:fld id="{57BF1C7C-30AB-4920-B892-D59D8900ACC9}" type="datetimeFigureOut">
               <a:rPr lang="ko-KR" altLang="en-US" smtClean="0"/>
-              <a:t>2022-03-11</a:t>
+              <a:t>2022-08-28</a:t>
             </a:fld>
             <a:endParaRPr lang="ko-KR" altLang="en-US"/>
           </a:p>
@@ -5959,12 +5959,20 @@
               <a:t> </a:t>
             </a:r>
             <a:r>
-              <a:rPr lang="en-US" dirty="0" err="1"/>
+              <a:rPr lang="en-US" err="1"/>
               <a:t>giúp</a:t>
             </a:r>
             <a:r>
-              <a:rPr lang="en-US" dirty="0"/>
-              <a:t> tang </a:t>
+              <a:rPr lang="en-US"/>
+              <a:t> </a:t>
+            </a:r>
+            <a:r>
+              <a:rPr lang="vi-VN"/>
+              <a:t>tăng</a:t>
+            </a:r>
+            <a:r>
+              <a:rPr lang="en-US"/>
+              <a:t> </a:t>
             </a:r>
             <a:r>
               <a:rPr lang="en-US" dirty="0" err="1"/>
